--- a/Conference presentations/IMPS_simsem.pptx
+++ b/Conference presentations/IMPS_simsem.pptx
@@ -217,7 +217,7 @@
             <a:fld id="{4758DF8E-3ACF-4918-9856-84E269807B66}" type="datetimeFigureOut">
               <a:rPr lang="en-US" smtClean="0"/>
               <a:pPr/>
-              <a:t>7/4/2012</a:t>
+              <a:t>7/5/2012</a:t>
             </a:fld>
             <a:endParaRPr lang="en-US"/>
           </a:p>
@@ -1014,7 +1014,7 @@
             <a:fld id="{0B006CE5-1646-4587-893C-0095DF5EA8FE}" type="datetime1">
               <a:rPr lang="en-US" smtClean="0"/>
               <a:pPr/>
-              <a:t>7/4/2012</a:t>
+              <a:t>7/5/2012</a:t>
             </a:fld>
             <a:endParaRPr lang="en-US"/>
           </a:p>
@@ -1322,7 +1322,7 @@
             <a:fld id="{DC4CEFE1-D3AC-46EA-BDEA-7FE33C6400C4}" type="datetime1">
               <a:rPr lang="en-US" smtClean="0"/>
               <a:pPr/>
-              <a:t>7/4/2012</a:t>
+              <a:t>7/5/2012</a:t>
             </a:fld>
             <a:endParaRPr lang="en-US"/>
           </a:p>
@@ -1515,7 +1515,7 @@
             <a:fld id="{44361455-4F17-4EB3-A249-47B0E1DDD62C}" type="datetime1">
               <a:rPr lang="en-US" smtClean="0"/>
               <a:pPr/>
-              <a:t>7/4/2012</a:t>
+              <a:t>7/5/2012</a:t>
             </a:fld>
             <a:endParaRPr lang="en-US"/>
           </a:p>
@@ -1698,7 +1698,7 @@
             <a:fld id="{FFCCEC84-51A4-44A3-AF28-5F3DB0331A40}" type="datetime1">
               <a:rPr lang="en-US" smtClean="0"/>
               <a:pPr/>
-              <a:t>7/4/2012</a:t>
+              <a:t>7/5/2012</a:t>
             </a:fld>
             <a:endParaRPr lang="en-US"/>
           </a:p>
@@ -1903,7 +1903,7 @@
             <a:fld id="{D9EA0BC7-B79B-49D0-90D5-AB335A203D4C}" type="datetime1">
               <a:rPr lang="en-US" smtClean="0"/>
               <a:pPr/>
-              <a:t>7/4/2012</a:t>
+              <a:t>7/5/2012</a:t>
             </a:fld>
             <a:endParaRPr lang="en-US"/>
           </a:p>
@@ -2204,7 +2204,7 @@
             <a:fld id="{D0527C0A-8783-4737-B32D-FC41C3620243}" type="datetime1">
               <a:rPr lang="en-US" smtClean="0"/>
               <a:pPr/>
-              <a:t>7/4/2012</a:t>
+              <a:t>7/5/2012</a:t>
             </a:fld>
             <a:endParaRPr lang="en-US"/>
           </a:p>
@@ -2644,7 +2644,7 @@
             <a:fld id="{279C7562-EA3D-4672-85A2-58F90CAE2EF5}" type="datetime1">
               <a:rPr lang="en-US" smtClean="0"/>
               <a:pPr/>
-              <a:t>7/4/2012</a:t>
+              <a:t>7/5/2012</a:t>
             </a:fld>
             <a:endParaRPr lang="en-US"/>
           </a:p>
@@ -2775,7 +2775,7 @@
             <a:fld id="{82EC1ABA-E467-48EA-B638-8AF9EFD27920}" type="datetime1">
               <a:rPr lang="en-US" smtClean="0"/>
               <a:pPr/>
-              <a:t>7/4/2012</a:t>
+              <a:t>7/5/2012</a:t>
             </a:fld>
             <a:endParaRPr lang="en-US"/>
           </a:p>
@@ -2883,7 +2883,7 @@
             <a:fld id="{9728B850-F654-4CCF-AFC0-BDD7A78D0C73}" type="datetime1">
               <a:rPr lang="en-US" smtClean="0"/>
               <a:pPr/>
-              <a:t>7/4/2012</a:t>
+              <a:t>7/5/2012</a:t>
             </a:fld>
             <a:endParaRPr lang="en-US"/>
           </a:p>
@@ -3173,7 +3173,7 @@
             <a:fld id="{D96AF454-D148-4CE0-AA23-A53AAB81ABDF}" type="datetime1">
               <a:rPr lang="en-US" smtClean="0"/>
               <a:pPr/>
-              <a:t>7/4/2012</a:t>
+              <a:t>7/5/2012</a:t>
             </a:fld>
             <a:endParaRPr lang="en-US"/>
           </a:p>
@@ -3443,7 +3443,7 @@
             <a:fld id="{F0941401-89B6-46FA-A572-2E6E2940D7C4}" type="datetime1">
               <a:rPr lang="en-US" smtClean="0"/>
               <a:pPr/>
-              <a:t>7/4/2012</a:t>
+              <a:t>7/5/2012</a:t>
             </a:fld>
             <a:endParaRPr lang="en-US"/>
           </a:p>
@@ -3998,7 +3998,6 @@
               <a:rPr lang="en-US" smtClean="0"/>
               <a:t>Click to edit Master title style</a:t>
             </a:r>
-            <a:endParaRPr lang="en-US" smtClean="0"/>
           </a:p>
         </p:txBody>
       </p:sp>
@@ -4070,7 +4069,6 @@
               <a:rPr lang="en-US" smtClean="0"/>
               <a:t>Fifth level</a:t>
             </a:r>
-            <a:endParaRPr lang="en-US" smtClean="0"/>
           </a:p>
         </p:txBody>
       </p:sp>
@@ -4116,7 +4114,7 @@
             <a:fld id="{37000794-5345-42AA-8A74-6CD58AC07A78}" type="datetime1">
               <a:rPr lang="en-US" smtClean="0"/>
               <a:pPr/>
-              <a:t>7/4/2012</a:t>
+              <a:t>7/5/2012</a:t>
             </a:fld>
             <a:endParaRPr lang="en-US"/>
           </a:p>
@@ -5073,7 +5071,7 @@
         <p:spPr/>
         <p:txBody>
           <a:bodyPr>
-            <a:normAutofit fontScale="92500"/>
+            <a:normAutofit fontScale="92500" lnSpcReduction="10000"/>
           </a:bodyPr>
           <a:lstStyle/>
           <a:p>
@@ -5086,18 +5084,15 @@
             <a:pPr lvl="1"/>
             <a:r>
               <a:rPr lang="en-US" dirty="0" smtClean="0"/>
-              <a:t>Continuous approach</a:t>
-            </a:r>
-          </a:p>
-          <a:p>
-            <a:pPr lvl="2"/>
+              <a:t>Use </a:t>
+            </a:r>
             <a:r>
               <a:rPr lang="en-US" dirty="0" smtClean="0"/>
-              <a:t>Use logistic regression to predict a parameter’s significance (across all replications) from the sample size of each replication.</a:t>
-            </a:r>
-          </a:p>
-          <a:p>
-            <a:pPr lvl="2"/>
+              <a:t>logistic regression to predict a parameter’s significance (across all replications) from the sample size of each replication.</a:t>
+            </a:r>
+          </a:p>
+          <a:p>
+            <a:pPr lvl="1"/>
             <a:r>
               <a:rPr lang="en-US" dirty="0" smtClean="0"/>
               <a:t>The predicted probability from the logistic regression at a given N is power for that parameter at that N</a:t>
@@ -5175,7 +5170,7 @@
           <p:nvPr/>
         </p:nvGraphicFramePr>
         <p:xfrm>
-          <a:off x="3200400" y="5580062"/>
+          <a:off x="5486400" y="5334000"/>
           <a:ext cx="2281238" cy="1277938"/>
         </p:xfrm>
         <a:graphic>
@@ -7339,12 +7334,12 @@
           <p:nvPr/>
         </p:nvGraphicFramePr>
         <p:xfrm>
-          <a:off x="381000" y="1981200"/>
-          <a:ext cx="1981200" cy="3559445"/>
+          <a:off x="163513" y="1981200"/>
+          <a:ext cx="2417762" cy="3559175"/>
         </p:xfrm>
         <a:graphic>
           <a:graphicData uri="http://schemas.openxmlformats.org/presentationml/2006/ole">
-            <p:oleObj spid="_x0000_s3074" name="Equation" r:id="rId3" imgW="749160" imgH="1346040" progId="Equation.DSMT4">
+            <p:oleObj spid="_x0000_s3074" name="Equation" r:id="rId3" imgW="914400" imgH="1346040" progId="Equation.DSMT4">
               <p:embed/>
             </p:oleObj>
           </a:graphicData>
@@ -7359,12 +7354,12 @@
           <p:nvPr/>
         </p:nvGraphicFramePr>
         <p:xfrm>
-          <a:off x="3352800" y="1981200"/>
-          <a:ext cx="2133600" cy="1295400"/>
+          <a:off x="3505200" y="1981200"/>
+          <a:ext cx="2667000" cy="1295400"/>
         </p:xfrm>
         <a:graphic>
           <a:graphicData uri="http://schemas.openxmlformats.org/presentationml/2006/ole">
-            <p:oleObj spid="_x0000_s3075" name="Equation" r:id="rId4" imgW="711000" imgH="431640" progId="Equation.DSMT4">
+            <p:oleObj spid="_x0000_s3075" name="Equation" r:id="rId4" imgW="888840" imgH="431640" progId="Equation.DSMT4">
               <p:embed/>
             </p:oleObj>
           </a:graphicData>
@@ -7379,12 +7374,12 @@
           <p:nvPr/>
         </p:nvGraphicFramePr>
         <p:xfrm>
-          <a:off x="3124199" y="3657600"/>
-          <a:ext cx="4295955" cy="2743200"/>
+          <a:off x="3124200" y="3657600"/>
+          <a:ext cx="5305425" cy="2743200"/>
         </p:xfrm>
         <a:graphic>
           <a:graphicData uri="http://schemas.openxmlformats.org/presentationml/2006/ole">
-            <p:oleObj spid="_x0000_s3076" name="Equation" r:id="rId5" imgW="2108160" imgH="1346040" progId="Equation.DSMT4">
+            <p:oleObj spid="_x0000_s3076" name="Equation" r:id="rId5" imgW="2603160" imgH="1346040" progId="Equation.DSMT4">
               <p:embed/>
             </p:oleObj>
           </a:graphicData>
@@ -7479,18 +7474,15 @@
             <a:pPr lvl="1"/>
             <a:r>
               <a:rPr lang="en-US" dirty="0" smtClean="0"/>
-              <a:t>Continuous approach</a:t>
-            </a:r>
-          </a:p>
-          <a:p>
-            <a:pPr lvl="2"/>
+              <a:t>3000 </a:t>
+            </a:r>
             <a:r>
               <a:rPr lang="en-US" dirty="0" smtClean="0"/>
-              <a:t>3000 replications, randomly varying  N between 100-2000</a:t>
-            </a:r>
-          </a:p>
-          <a:p>
-            <a:pPr lvl="2"/>
+              <a:t>replications, randomly varying  N between 100-2000</a:t>
+            </a:r>
+          </a:p>
+          <a:p>
+            <a:pPr lvl="1"/>
             <a:r>
               <a:rPr lang="en-US" dirty="0" err="1" smtClean="0"/>
               <a:t>logit</a:t>
@@ -7544,7 +7536,7 @@
             <a:endParaRPr lang="en-US" dirty="0" smtClean="0"/>
           </a:p>
           <a:p>
-            <a:pPr lvl="2"/>
+            <a:pPr lvl="1"/>
             <a:r>
               <a:rPr lang="en-US" dirty="0" smtClean="0"/>
               <a:t>Power = .80 when N = 1436</a:t>
@@ -7640,7 +7632,7 @@
                                         <p:tgtEl>
                                           <p:spTgt spid="3">
                                             <p:txEl>
-                                              <p:pRg st="4" end="4"/>
+                                              <p:pRg st="3" end="3"/>
                                             </p:txEl>
                                           </p:spTgt>
                                         </p:tgtEl>
@@ -12577,11 +12569,7 @@
           <a:p>
             <a:r>
               <a:rPr lang="en-US" dirty="0" smtClean="0"/>
-              <a:t>Latent </a:t>
-            </a:r>
-            <a:r>
-              <a:rPr lang="en-US" dirty="0" smtClean="0"/>
-              <a:t>interactions</a:t>
+              <a:t>Latent interactions</a:t>
             </a:r>
           </a:p>
           <a:p>
@@ -12920,11 +12908,7 @@
             </a:pPr>
             <a:r>
               <a:rPr lang="en-US" dirty="0" smtClean="0"/>
-              <a:t>example </a:t>
-            </a:r>
-            <a:r>
-              <a:rPr lang="en-US" dirty="0" smtClean="0"/>
-              <a:t>code</a:t>
+              <a:t>example code</a:t>
             </a:r>
             <a:r>
               <a:rPr lang="en-US" dirty="0"/>
@@ -12932,13 +12916,8 @@
             </a:r>
             <a:r>
               <a:rPr lang="en-US" dirty="0" smtClean="0"/>
-              <a:t>available at: simsem.org</a:t>
-            </a:r>
-            <a:r>
-              <a:rPr lang="en-US" dirty="0" smtClean="0"/>
-              <a:t> </a:t>
-            </a:r>
-            <a:endParaRPr lang="en-US" dirty="0" smtClean="0"/>
+              <a:t>available at: simsem.org </a:t>
+            </a:r>
           </a:p>
           <a:p>
             <a:pPr>
@@ -12946,11 +12925,7 @@
             </a:pPr>
             <a:r>
               <a:rPr lang="en-US" dirty="0" smtClean="0"/>
-              <a:t>email: </a:t>
-            </a:r>
-            <a:r>
-              <a:rPr lang="en-US" dirty="0" smtClean="0"/>
-              <a:t>schoemann@ku.edu</a:t>
+              <a:t>email: schoemann@ku.edu</a:t>
             </a:r>
             <a:endParaRPr lang="en-US" dirty="0"/>
           </a:p>
@@ -13769,11 +13744,7 @@
             <a:pPr lvl="1"/>
             <a:r>
               <a:rPr lang="en-US" dirty="0" smtClean="0"/>
-              <a:t>Summarize </a:t>
-            </a:r>
-            <a:r>
-              <a:rPr lang="en-US" dirty="0" smtClean="0"/>
-              <a:t>results</a:t>
+              <a:t>Summarize results</a:t>
             </a:r>
           </a:p>
           <a:p>
